--- a/Presentation1.pptx
+++ b/Presentation1.pptx
@@ -113,6 +113,14 @@
       </a:defRPr>
     </a:lvl9pPr>
   </p:defaultTextStyle>
+  <p:extLst>
+    <p:ext uri="{EFAFB233-063F-42B5-8137-9DF3F51BA10A}">
+      <p15:sldGuideLst xmlns:p15="http://schemas.microsoft.com/office/powerpoint/2012/main"/>
+    </p:ext>
+    <p:ext uri="{2D200454-40CA-4A62-9FC3-DE9A4176ACB9}">
+      <p15:notesGuideLst xmlns:p15="http://schemas.microsoft.com/office/powerpoint/2012/main"/>
+    </p:ext>
+  </p:extLst>
 </p:presentation>
 </file>
 
@@ -319,7 +327,6 @@
               <a:rPr lang="en-US"/>
               <a:t>Fifth level</a:t>
             </a:r>
-            <a:endParaRPr lang="en-US"/>
           </a:p>
         </p:txBody>
       </p:sp>
@@ -7615,30 +7622,6 @@
           </a:prstGeom>
         </p:spPr>
       </p:pic>
-      <p:sp>
-        <p:nvSpPr>
-          <p:cNvPr id="5" name="Title 4"/>
-          <p:cNvSpPr>
-            <a:spLocks noGrp="1"/>
-          </p:cNvSpPr>
-          <p:nvPr>
-            <p:ph type="title"/>
-          </p:nvPr>
-        </p:nvSpPr>
-        <p:spPr>
-          <a:xfrm>
-            <a:off x="685801" y="609600"/>
-            <a:ext cx="10131425" cy="1456267"/>
-          </a:xfrm>
-        </p:spPr>
-        <p:txBody>
-          <a:bodyPr/>
-          <a:lstStyle/>
-          <a:p>
-            <a:endParaRPr lang="en-US" dirty="0"/>
-          </a:p>
-        </p:txBody>
-      </p:sp>
     </p:spTree>
     <p:extLst>
       <p:ext uri="{BB962C8B-B14F-4D97-AF65-F5344CB8AC3E}">
